--- a/Implantação de Processos de Operações e Logística/Apresentaçao - FeedBack Tech.pptx
+++ b/Implantação de Processos de Operações e Logística/Apresentaçao - FeedBack Tech.pptx
@@ -5,10 +5,10 @@
     <p:sldMasterId id="2147483660" r:id="rId4"/>
   </p:sldMasterIdLst>
   <p:notesMasterIdLst>
-    <p:notesMasterId r:id="rId31"/>
+    <p:notesMasterId r:id="rId32"/>
   </p:notesMasterIdLst>
   <p:handoutMasterIdLst>
-    <p:handoutMasterId r:id="rId32"/>
+    <p:handoutMasterId r:id="rId33"/>
   </p:handoutMasterIdLst>
   <p:sldIdLst>
     <p:sldId id="257" r:id="rId5"/>
@@ -19,24 +19,25 @@
     <p:sldId id="274" r:id="rId10"/>
     <p:sldId id="269" r:id="rId11"/>
     <p:sldId id="270" r:id="rId12"/>
-    <p:sldId id="261" r:id="rId13"/>
-    <p:sldId id="276" r:id="rId14"/>
-    <p:sldId id="277" r:id="rId15"/>
-    <p:sldId id="278" r:id="rId16"/>
-    <p:sldId id="279" r:id="rId17"/>
-    <p:sldId id="280" r:id="rId18"/>
-    <p:sldId id="262" r:id="rId19"/>
-    <p:sldId id="284" r:id="rId20"/>
-    <p:sldId id="282" r:id="rId21"/>
-    <p:sldId id="283" r:id="rId22"/>
-    <p:sldId id="285" r:id="rId23"/>
-    <p:sldId id="286" r:id="rId24"/>
-    <p:sldId id="287" r:id="rId25"/>
-    <p:sldId id="288" r:id="rId26"/>
-    <p:sldId id="290" r:id="rId27"/>
-    <p:sldId id="289" r:id="rId28"/>
-    <p:sldId id="291" r:id="rId29"/>
-    <p:sldId id="292" r:id="rId30"/>
+    <p:sldId id="293" r:id="rId13"/>
+    <p:sldId id="261" r:id="rId14"/>
+    <p:sldId id="276" r:id="rId15"/>
+    <p:sldId id="277" r:id="rId16"/>
+    <p:sldId id="278" r:id="rId17"/>
+    <p:sldId id="279" r:id="rId18"/>
+    <p:sldId id="280" r:id="rId19"/>
+    <p:sldId id="262" r:id="rId20"/>
+    <p:sldId id="284" r:id="rId21"/>
+    <p:sldId id="282" r:id="rId22"/>
+    <p:sldId id="283" r:id="rId23"/>
+    <p:sldId id="285" r:id="rId24"/>
+    <p:sldId id="286" r:id="rId25"/>
+    <p:sldId id="287" r:id="rId26"/>
+    <p:sldId id="288" r:id="rId27"/>
+    <p:sldId id="290" r:id="rId28"/>
+    <p:sldId id="289" r:id="rId29"/>
+    <p:sldId id="291" r:id="rId30"/>
+    <p:sldId id="292" r:id="rId31"/>
   </p:sldIdLst>
   <p:sldSz cx="12188825" cy="6858000"/>
   <p:notesSz cx="6858000" cy="9144000"/>
@@ -989,7 +990,7 @@
             <a:pPr rtl="0"/>
             <a:fld id="{3EBA5BD7-F043-4D1B-AA17-CD412FC534DE}" type="slidenum">
               <a:rPr lang="en-US" smtClean="0"/>
-              <a:t>26</a:t>
+              <a:t>27</a:t>
             </a:fld>
             <a:endParaRPr lang="en-US"/>
           </a:p>
@@ -1075,7 +1076,7 @@
             <a:pPr rtl="0"/>
             <a:fld id="{3EBA5BD7-F043-4D1B-AA17-CD412FC534DE}" type="slidenum">
               <a:rPr lang="en-US" smtClean="0"/>
-              <a:t>11</a:t>
+              <a:t>12</a:t>
             </a:fld>
             <a:endParaRPr lang="en-US"/>
           </a:p>
@@ -1161,7 +1162,7 @@
             <a:pPr rtl="0"/>
             <a:fld id="{3EBA5BD7-F043-4D1B-AA17-CD412FC534DE}" type="slidenum">
               <a:rPr lang="en-US" smtClean="0"/>
-              <a:t>12</a:t>
+              <a:t>13</a:t>
             </a:fld>
             <a:endParaRPr lang="en-US"/>
           </a:p>
@@ -1247,7 +1248,7 @@
             <a:pPr rtl="0"/>
             <a:fld id="{3EBA5BD7-F043-4D1B-AA17-CD412FC534DE}" type="slidenum">
               <a:rPr lang="en-US" smtClean="0"/>
-              <a:t>13</a:t>
+              <a:t>14</a:t>
             </a:fld>
             <a:endParaRPr lang="en-US"/>
           </a:p>
@@ -1333,7 +1334,7 @@
             <a:pPr rtl="0"/>
             <a:fld id="{3EBA5BD7-F043-4D1B-AA17-CD412FC534DE}" type="slidenum">
               <a:rPr lang="en-US" smtClean="0"/>
-              <a:t>14</a:t>
+              <a:t>15</a:t>
             </a:fld>
             <a:endParaRPr lang="en-US"/>
           </a:p>
@@ -6182,6 +6183,265 @@
             <p:ph type="body" idx="1"/>
           </p:nvPr>
         </p:nvSpPr>
+        <p:spPr/>
+        <p:txBody>
+          <a:bodyPr rtlCol="0"/>
+          <a:lstStyle/>
+          <a:p>
+            <a:r>
+              <a:rPr lang="pt-BR" b="1" dirty="0"/>
+              <a:t>Rebocador Industrial</a:t>
+            </a:r>
+            <a:endParaRPr lang="en-US" dirty="0"/>
+          </a:p>
+        </p:txBody>
+      </p:sp>
+      <p:sp>
+        <p:nvSpPr>
+          <p:cNvPr id="9" name="Espaço Reservado para Texto 8"/>
+          <p:cNvSpPr>
+            <a:spLocks noGrp="1"/>
+          </p:cNvSpPr>
+          <p:nvPr>
+            <p:ph type="body" sz="quarter" idx="3"/>
+          </p:nvPr>
+        </p:nvSpPr>
+        <p:spPr/>
+        <p:txBody>
+          <a:bodyPr rtlCol="0"/>
+          <a:lstStyle/>
+          <a:p>
+            <a:r>
+              <a:rPr lang="pt-BR" b="1" dirty="0"/>
+              <a:t>Auto carrinhos (AGV)</a:t>
+            </a:r>
+            <a:endParaRPr lang="en-US" dirty="0"/>
+          </a:p>
+        </p:txBody>
+      </p:sp>
+      <p:pic>
+        <p:nvPicPr>
+          <p:cNvPr id="12" name="Imagem 11">
+            <a:extLst>
+              <a:ext uri="{FF2B5EF4-FFF2-40B4-BE49-F238E27FC236}">
+                <a16:creationId xmlns:a16="http://schemas.microsoft.com/office/drawing/2014/main" id="{32A7B858-85B0-4210-B6AB-C62A87223B83}"/>
+              </a:ext>
+            </a:extLst>
+          </p:cNvPr>
+          <p:cNvPicPr>
+            <a:picLocks noChangeAspect="1"/>
+          </p:cNvPicPr>
+          <p:nvPr/>
+        </p:nvPicPr>
+        <p:blipFill>
+          <a:blip r:embed="rId2">
+            <a:extLst>
+              <a:ext uri="{28A0092B-C50C-407E-A947-70E740481C1C}">
+                <a14:useLocalDpi xmlns:a14="http://schemas.microsoft.com/office/drawing/2010/main" val="0"/>
+              </a:ext>
+            </a:extLst>
+          </a:blip>
+          <a:stretch>
+            <a:fillRect/>
+          </a:stretch>
+        </p:blipFill>
+        <p:spPr>
+          <a:xfrm>
+            <a:off x="10851001" y="40569"/>
+            <a:ext cx="1300199" cy="1300199"/>
+          </a:xfrm>
+          <a:prstGeom prst="rect">
+            <a:avLst/>
+          </a:prstGeom>
+        </p:spPr>
+      </p:pic>
+      <p:pic>
+        <p:nvPicPr>
+          <p:cNvPr id="14" name="Espaço Reservado para Conteúdo 13" descr="https://lh4.googleusercontent.com/RQqUy0wNtwBGtO5M-VHjNNJy9CT7fTB-yxDb4VFPgiO17vuS1Jiel-sOTj4Wk3yu37kaA6RChBVEwK6la8xXsFug8jK4wBpTYoFJrtjF-DOJ8BetraJnYQi_Vh8bHT8wwp7beUJk">
+            <a:extLst>
+              <a:ext uri="{FF2B5EF4-FFF2-40B4-BE49-F238E27FC236}">
+                <a16:creationId xmlns:a16="http://schemas.microsoft.com/office/drawing/2014/main" id="{710DAC58-A9E1-41CF-A437-91D80F3EBFE5}"/>
+              </a:ext>
+            </a:extLst>
+          </p:cNvPr>
+          <p:cNvPicPr>
+            <a:picLocks noGrp="1"/>
+          </p:cNvPicPr>
+          <p:nvPr>
+            <p:ph sz="half" idx="2"/>
+          </p:nvPr>
+        </p:nvPicPr>
+        <p:blipFill>
+          <a:blip r:embed="rId3" cstate="print">
+            <a:extLst>
+              <a:ext uri="{28A0092B-C50C-407E-A947-70E740481C1C}">
+                <a14:useLocalDpi xmlns:a14="http://schemas.microsoft.com/office/drawing/2010/main" val="0"/>
+              </a:ext>
+            </a:extLst>
+          </a:blip>
+          <a:srcRect/>
+          <a:stretch>
+            <a:fillRect/>
+          </a:stretch>
+        </p:blipFill>
+        <p:spPr bwMode="auto">
+          <a:xfrm>
+            <a:off x="1935959" y="3119337"/>
+            <a:ext cx="3312368" cy="2244928"/>
+          </a:xfrm>
+          <a:prstGeom prst="rect">
+            <a:avLst/>
+          </a:prstGeom>
+          <a:noFill/>
+          <a:ln>
+            <a:noFill/>
+          </a:ln>
+        </p:spPr>
+      </p:pic>
+      <p:pic>
+        <p:nvPicPr>
+          <p:cNvPr id="15" name="Espaço Reservado para Conteúdo 14">
+            <a:extLst>
+              <a:ext uri="{FF2B5EF4-FFF2-40B4-BE49-F238E27FC236}">
+                <a16:creationId xmlns:a16="http://schemas.microsoft.com/office/drawing/2014/main" id="{7CC674F0-96C7-439E-9954-0E2AEFD4FA43}"/>
+              </a:ext>
+            </a:extLst>
+          </p:cNvPr>
+          <p:cNvPicPr>
+            <a:picLocks noGrp="1"/>
+          </p:cNvPicPr>
+          <p:nvPr>
+            <p:ph sz="quarter" idx="4"/>
+          </p:nvPr>
+        </p:nvPicPr>
+        <p:blipFill>
+          <a:blip r:embed="rId4"/>
+          <a:stretch>
+            <a:fillRect/>
+          </a:stretch>
+        </p:blipFill>
+        <p:spPr>
+          <a:xfrm>
+            <a:off x="6940498" y="3041162"/>
+            <a:ext cx="3583943" cy="2269077"/>
+          </a:xfrm>
+          <a:prstGeom prst="rect">
+            <a:avLst/>
+          </a:prstGeom>
+        </p:spPr>
+      </p:pic>
+      <p:pic>
+        <p:nvPicPr>
+          <p:cNvPr id="13" name="Imagem 12">
+            <a:extLst>
+              <a:ext uri="{FF2B5EF4-FFF2-40B4-BE49-F238E27FC236}">
+                <a16:creationId xmlns:a16="http://schemas.microsoft.com/office/drawing/2014/main" id="{00CDD5C5-0AF8-4D5C-B139-1859F324F1E2}"/>
+              </a:ext>
+            </a:extLst>
+          </p:cNvPr>
+          <p:cNvPicPr>
+            <a:picLocks noChangeAspect="1"/>
+          </p:cNvPicPr>
+          <p:nvPr/>
+        </p:nvPicPr>
+        <p:blipFill>
+          <a:blip r:embed="rId5" cstate="print">
+            <a:extLst>
+              <a:ext uri="{28A0092B-C50C-407E-A947-70E740481C1C}">
+                <a14:useLocalDpi xmlns:a14="http://schemas.microsoft.com/office/drawing/2010/main" val="0"/>
+              </a:ext>
+            </a:extLst>
+          </a:blip>
+          <a:stretch>
+            <a:fillRect/>
+          </a:stretch>
+        </p:blipFill>
+        <p:spPr>
+          <a:xfrm>
+            <a:off x="9956510" y="5310239"/>
+            <a:ext cx="2194690" cy="1547761"/>
+          </a:xfrm>
+          <a:prstGeom prst="rect">
+            <a:avLst/>
+          </a:prstGeom>
+        </p:spPr>
+      </p:pic>
+    </p:spTree>
+    <p:extLst>
+      <p:ext uri="{BB962C8B-B14F-4D97-AF65-F5344CB8AC3E}">
+        <p14:creationId xmlns:p14="http://schemas.microsoft.com/office/powerpoint/2010/main" val="2672039197"/>
+      </p:ext>
+    </p:extLst>
+  </p:cSld>
+  <p:clrMapOvr>
+    <a:masterClrMapping/>
+  </p:clrMapOvr>
+  <mc:AlternateContent xmlns:mc="http://schemas.openxmlformats.org/markup-compatibility/2006" xmlns:p14="http://schemas.microsoft.com/office/powerpoint/2010/main">
+    <mc:Choice Requires="p14">
+      <p:transition spd="slow" p14:dur="1750">
+        <p14:vortex dir="r"/>
+      </p:transition>
+    </mc:Choice>
+    <mc:Fallback xmlns="">
+      <p:transition spd="slow">
+        <p:fade/>
+      </p:transition>
+    </mc:Fallback>
+  </mc:AlternateContent>
+</p:sld>
+</file>
+
+<file path=ppt/slides/slide11.xml><?xml version="1.0" encoding="utf-8"?>
+<p:sld xmlns:a="http://schemas.openxmlformats.org/drawingml/2006/main" xmlns:r="http://schemas.openxmlformats.org/officeDocument/2006/relationships" xmlns:p="http://schemas.openxmlformats.org/presentationml/2006/main">
+  <p:cSld>
+    <p:spTree>
+      <p:nvGrpSpPr>
+        <p:cNvPr id="1" name=""/>
+        <p:cNvGrpSpPr/>
+        <p:nvPr/>
+      </p:nvGrpSpPr>
+      <p:grpSpPr>
+        <a:xfrm>
+          <a:off x="0" y="0"/>
+          <a:ext cx="0" cy="0"/>
+          <a:chOff x="0" y="0"/>
+          <a:chExt cx="0" cy="0"/>
+        </a:xfrm>
+      </p:grpSpPr>
+      <p:sp>
+        <p:nvSpPr>
+          <p:cNvPr id="7" name="Título 6"/>
+          <p:cNvSpPr>
+            <a:spLocks noGrp="1"/>
+          </p:cNvSpPr>
+          <p:nvPr>
+            <p:ph type="title"/>
+          </p:nvPr>
+        </p:nvSpPr>
+        <p:spPr/>
+        <p:txBody>
+          <a:bodyPr rtlCol="0"/>
+          <a:lstStyle/>
+          <a:p>
+            <a:pPr rtl="0"/>
+            <a:r>
+              <a:rPr lang="pt-BR" dirty="0"/>
+              <a:t>Equipamentos de logísticas utilizados</a:t>
+            </a:r>
+            <a:endParaRPr lang="pt-br" dirty="0"/>
+          </a:p>
+        </p:txBody>
+      </p:sp>
+      <p:sp>
+        <p:nvSpPr>
+          <p:cNvPr id="8" name="Espaço Reservado para Texto 7"/>
+          <p:cNvSpPr>
+            <a:spLocks noGrp="1"/>
+          </p:cNvSpPr>
+          <p:nvPr>
+            <p:ph type="body" idx="1"/>
+          </p:nvPr>
+        </p:nvSpPr>
         <p:spPr>
           <a:xfrm>
             <a:off x="1935959" y="1718198"/>
@@ -6329,7 +6589,7 @@
 </p:sld>
 </file>
 
-<file path=ppt/slides/slide11.xml><?xml version="1.0" encoding="utf-8"?>
+<file path=ppt/slides/slide12.xml><?xml version="1.0" encoding="utf-8"?>
 <p:sld xmlns:a="http://schemas.openxmlformats.org/drawingml/2006/main" xmlns:r="http://schemas.openxmlformats.org/officeDocument/2006/relationships" xmlns:p="http://schemas.openxmlformats.org/presentationml/2006/main">
   <p:cSld>
     <p:spTree>
@@ -6504,7 +6764,7 @@
 </p:sld>
 </file>
 
-<file path=ppt/slides/slide12.xml><?xml version="1.0" encoding="utf-8"?>
+<file path=ppt/slides/slide13.xml><?xml version="1.0" encoding="utf-8"?>
 <p:sld xmlns:a="http://schemas.openxmlformats.org/drawingml/2006/main" xmlns:r="http://schemas.openxmlformats.org/officeDocument/2006/relationships" xmlns:p="http://schemas.openxmlformats.org/presentationml/2006/main">
   <p:cSld>
     <p:spTree>
@@ -7067,7 +7327,7 @@
 </p:sld>
 </file>
 
-<file path=ppt/slides/slide13.xml><?xml version="1.0" encoding="utf-8"?>
+<file path=ppt/slides/slide14.xml><?xml version="1.0" encoding="utf-8"?>
 <p:sld xmlns:a="http://schemas.openxmlformats.org/drawingml/2006/main" xmlns:r="http://schemas.openxmlformats.org/officeDocument/2006/relationships" xmlns:p="http://schemas.openxmlformats.org/presentationml/2006/main">
   <p:cSld>
     <p:spTree>
@@ -7253,7 +7513,7 @@
 </p:sld>
 </file>
 
-<file path=ppt/slides/slide14.xml><?xml version="1.0" encoding="utf-8"?>
+<file path=ppt/slides/slide15.xml><?xml version="1.0" encoding="utf-8"?>
 <p:sld xmlns:a="http://schemas.openxmlformats.org/drawingml/2006/main" xmlns:r="http://schemas.openxmlformats.org/officeDocument/2006/relationships" xmlns:p="http://schemas.openxmlformats.org/presentationml/2006/main">
   <p:cSld>
     <p:spTree>
@@ -7463,7 +7723,7 @@
 </p:sld>
 </file>
 
-<file path=ppt/slides/slide15.xml><?xml version="1.0" encoding="utf-8"?>
+<file path=ppt/slides/slide16.xml><?xml version="1.0" encoding="utf-8"?>
 <p:sld xmlns:a="http://schemas.openxmlformats.org/drawingml/2006/main" xmlns:r="http://schemas.openxmlformats.org/officeDocument/2006/relationships" xmlns:p="http://schemas.openxmlformats.org/presentationml/2006/main">
   <p:cSld>
     <p:spTree>
@@ -10317,7 +10577,7 @@
 </p:sld>
 </file>
 
-<file path=ppt/slides/slide16.xml><?xml version="1.0" encoding="utf-8"?>
+<file path=ppt/slides/slide17.xml><?xml version="1.0" encoding="utf-8"?>
 <p:sld xmlns:a="http://schemas.openxmlformats.org/drawingml/2006/main" xmlns:r="http://schemas.openxmlformats.org/officeDocument/2006/relationships" xmlns:p="http://schemas.openxmlformats.org/presentationml/2006/main">
   <p:cSld>
     <p:spTree>
@@ -10485,7 +10745,7 @@
 </p:sld>
 </file>
 
-<file path=ppt/slides/slide17.xml><?xml version="1.0" encoding="utf-8"?>
+<file path=ppt/slides/slide18.xml><?xml version="1.0" encoding="utf-8"?>
 <p:sld xmlns:a="http://schemas.openxmlformats.org/drawingml/2006/main" xmlns:r="http://schemas.openxmlformats.org/officeDocument/2006/relationships" xmlns:p="http://schemas.openxmlformats.org/presentationml/2006/main">
   <p:cSld>
     <p:spTree>
@@ -10653,7 +10913,7 @@
 </p:sld>
 </file>
 
-<file path=ppt/slides/slide18.xml><?xml version="1.0" encoding="utf-8"?>
+<file path=ppt/slides/slide19.xml><?xml version="1.0" encoding="utf-8"?>
 <p:sld xmlns:a="http://schemas.openxmlformats.org/drawingml/2006/main" xmlns:r="http://schemas.openxmlformats.org/officeDocument/2006/relationships" xmlns:p="http://schemas.openxmlformats.org/presentationml/2006/main">
   <p:cSld>
     <p:spTree>
@@ -10800,174 +11060,6 @@
     <p:extLst>
       <p:ext uri="{BB962C8B-B14F-4D97-AF65-F5344CB8AC3E}">
         <p14:creationId xmlns:p14="http://schemas.microsoft.com/office/powerpoint/2010/main" val="3364042278"/>
-      </p:ext>
-    </p:extLst>
-  </p:cSld>
-  <p:clrMapOvr>
-    <a:masterClrMapping/>
-  </p:clrMapOvr>
-  <mc:AlternateContent xmlns:mc="http://schemas.openxmlformats.org/markup-compatibility/2006" xmlns:p14="http://schemas.microsoft.com/office/powerpoint/2010/main">
-    <mc:Choice Requires="p14">
-      <p:transition spd="slow" p14:dur="1750">
-        <p14:vortex dir="r"/>
-      </p:transition>
-    </mc:Choice>
-    <mc:Fallback xmlns="">
-      <p:transition spd="slow">
-        <p:fade/>
-      </p:transition>
-    </mc:Fallback>
-  </mc:AlternateContent>
-</p:sld>
-</file>
-
-<file path=ppt/slides/slide19.xml><?xml version="1.0" encoding="utf-8"?>
-<p:sld xmlns:a="http://schemas.openxmlformats.org/drawingml/2006/main" xmlns:r="http://schemas.openxmlformats.org/officeDocument/2006/relationships" xmlns:p="http://schemas.openxmlformats.org/presentationml/2006/main">
-  <p:cSld>
-    <p:spTree>
-      <p:nvGrpSpPr>
-        <p:cNvPr id="1" name=""/>
-        <p:cNvGrpSpPr/>
-        <p:nvPr/>
-      </p:nvGrpSpPr>
-      <p:grpSpPr>
-        <a:xfrm>
-          <a:off x="0" y="0"/>
-          <a:ext cx="0" cy="0"/>
-          <a:chOff x="0" y="0"/>
-          <a:chExt cx="0" cy="0"/>
-        </a:xfrm>
-      </p:grpSpPr>
-      <p:sp>
-        <p:nvSpPr>
-          <p:cNvPr id="2" name="Título 1"/>
-          <p:cNvSpPr>
-            <a:spLocks noGrp="1"/>
-          </p:cNvSpPr>
-          <p:nvPr>
-            <p:ph type="title"/>
-          </p:nvPr>
-        </p:nvSpPr>
-        <p:spPr/>
-        <p:txBody>
-          <a:bodyPr rtlCol="0"/>
-          <a:lstStyle/>
-          <a:p>
-            <a:pPr rtl="0"/>
-            <a:r>
-              <a:rPr lang="pt-BR" dirty="0"/>
-              <a:t>Criação de materiais no SAP</a:t>
-            </a:r>
-            <a:endParaRPr lang="pt-br" dirty="0"/>
-          </a:p>
-        </p:txBody>
-      </p:sp>
-      <p:pic>
-        <p:nvPicPr>
-          <p:cNvPr id="6" name="Imagem 5">
-            <a:extLst>
-              <a:ext uri="{FF2B5EF4-FFF2-40B4-BE49-F238E27FC236}">
-                <a16:creationId xmlns:a16="http://schemas.microsoft.com/office/drawing/2014/main" id="{23C92278-0C1C-437E-AD58-0A53455FC88C}"/>
-              </a:ext>
-            </a:extLst>
-          </p:cNvPr>
-          <p:cNvPicPr>
-            <a:picLocks noChangeAspect="1"/>
-          </p:cNvPicPr>
-          <p:nvPr/>
-        </p:nvPicPr>
-        <p:blipFill>
-          <a:blip r:embed="rId3">
-            <a:extLst>
-              <a:ext uri="{28A0092B-C50C-407E-A947-70E740481C1C}">
-                <a14:useLocalDpi xmlns:a14="http://schemas.microsoft.com/office/drawing/2010/main" val="0"/>
-              </a:ext>
-            </a:extLst>
-          </a:blip>
-          <a:stretch>
-            <a:fillRect/>
-          </a:stretch>
-        </p:blipFill>
-        <p:spPr>
-          <a:xfrm>
-            <a:off x="10851001" y="40569"/>
-            <a:ext cx="1300199" cy="1300199"/>
-          </a:xfrm>
-          <a:prstGeom prst="rect">
-            <a:avLst/>
-          </a:prstGeom>
-        </p:spPr>
-      </p:pic>
-      <p:pic>
-        <p:nvPicPr>
-          <p:cNvPr id="7" name="Imagem 6">
-            <a:extLst>
-              <a:ext uri="{FF2B5EF4-FFF2-40B4-BE49-F238E27FC236}">
-                <a16:creationId xmlns:a16="http://schemas.microsoft.com/office/drawing/2014/main" id="{DAB104B5-11E5-4457-8BAD-EC32DED18AD1}"/>
-              </a:ext>
-            </a:extLst>
-          </p:cNvPr>
-          <p:cNvPicPr>
-            <a:picLocks noChangeAspect="1"/>
-          </p:cNvPicPr>
-          <p:nvPr/>
-        </p:nvPicPr>
-        <p:blipFill>
-          <a:blip r:embed="rId4" cstate="print">
-            <a:extLst>
-              <a:ext uri="{28A0092B-C50C-407E-A947-70E740481C1C}">
-                <a14:useLocalDpi xmlns:a14="http://schemas.microsoft.com/office/drawing/2010/main" val="0"/>
-              </a:ext>
-            </a:extLst>
-          </a:blip>
-          <a:stretch>
-            <a:fillRect/>
-          </a:stretch>
-        </p:blipFill>
-        <p:spPr>
-          <a:xfrm>
-            <a:off x="9956510" y="5310239"/>
-            <a:ext cx="2194690" cy="1547761"/>
-          </a:xfrm>
-          <a:prstGeom prst="rect">
-            <a:avLst/>
-          </a:prstGeom>
-        </p:spPr>
-      </p:pic>
-      <p:pic>
-        <p:nvPicPr>
-          <p:cNvPr id="8" name="Imagem 7">
-            <a:extLst>
-              <a:ext uri="{FF2B5EF4-FFF2-40B4-BE49-F238E27FC236}">
-                <a16:creationId xmlns:a16="http://schemas.microsoft.com/office/drawing/2014/main" id="{B917D3D6-A0D2-4F72-945D-364D9CD262FD}"/>
-              </a:ext>
-            </a:extLst>
-          </p:cNvPr>
-          <p:cNvPicPr>
-            <a:picLocks noChangeAspect="1"/>
-          </p:cNvPicPr>
-          <p:nvPr/>
-        </p:nvPicPr>
-        <p:blipFill>
-          <a:blip r:embed="rId5"/>
-          <a:stretch>
-            <a:fillRect/>
-          </a:stretch>
-        </p:blipFill>
-        <p:spPr>
-          <a:xfrm>
-            <a:off x="1299369" y="1498972"/>
-            <a:ext cx="5132455" cy="5084763"/>
-          </a:xfrm>
-          <a:prstGeom prst="rect">
-            <a:avLst/>
-          </a:prstGeom>
-        </p:spPr>
-      </p:pic>
-    </p:spTree>
-    <p:extLst>
-      <p:ext uri="{BB962C8B-B14F-4D97-AF65-F5344CB8AC3E}">
-        <p14:creationId xmlns:p14="http://schemas.microsoft.com/office/powerpoint/2010/main" val="558041672"/>
       </p:ext>
     </p:extLst>
   </p:cSld>
@@ -11237,6 +11329,174 @@
             <a:pPr rtl="0"/>
             <a:r>
               <a:rPr lang="pt-BR" dirty="0"/>
+              <a:t>Criação de materiais no SAP</a:t>
+            </a:r>
+            <a:endParaRPr lang="pt-br" dirty="0"/>
+          </a:p>
+        </p:txBody>
+      </p:sp>
+      <p:pic>
+        <p:nvPicPr>
+          <p:cNvPr id="6" name="Imagem 5">
+            <a:extLst>
+              <a:ext uri="{FF2B5EF4-FFF2-40B4-BE49-F238E27FC236}">
+                <a16:creationId xmlns:a16="http://schemas.microsoft.com/office/drawing/2014/main" id="{23C92278-0C1C-437E-AD58-0A53455FC88C}"/>
+              </a:ext>
+            </a:extLst>
+          </p:cNvPr>
+          <p:cNvPicPr>
+            <a:picLocks noChangeAspect="1"/>
+          </p:cNvPicPr>
+          <p:nvPr/>
+        </p:nvPicPr>
+        <p:blipFill>
+          <a:blip r:embed="rId3">
+            <a:extLst>
+              <a:ext uri="{28A0092B-C50C-407E-A947-70E740481C1C}">
+                <a14:useLocalDpi xmlns:a14="http://schemas.microsoft.com/office/drawing/2010/main" val="0"/>
+              </a:ext>
+            </a:extLst>
+          </a:blip>
+          <a:stretch>
+            <a:fillRect/>
+          </a:stretch>
+        </p:blipFill>
+        <p:spPr>
+          <a:xfrm>
+            <a:off x="10851001" y="40569"/>
+            <a:ext cx="1300199" cy="1300199"/>
+          </a:xfrm>
+          <a:prstGeom prst="rect">
+            <a:avLst/>
+          </a:prstGeom>
+        </p:spPr>
+      </p:pic>
+      <p:pic>
+        <p:nvPicPr>
+          <p:cNvPr id="7" name="Imagem 6">
+            <a:extLst>
+              <a:ext uri="{FF2B5EF4-FFF2-40B4-BE49-F238E27FC236}">
+                <a16:creationId xmlns:a16="http://schemas.microsoft.com/office/drawing/2014/main" id="{DAB104B5-11E5-4457-8BAD-EC32DED18AD1}"/>
+              </a:ext>
+            </a:extLst>
+          </p:cNvPr>
+          <p:cNvPicPr>
+            <a:picLocks noChangeAspect="1"/>
+          </p:cNvPicPr>
+          <p:nvPr/>
+        </p:nvPicPr>
+        <p:blipFill>
+          <a:blip r:embed="rId4" cstate="print">
+            <a:extLst>
+              <a:ext uri="{28A0092B-C50C-407E-A947-70E740481C1C}">
+                <a14:useLocalDpi xmlns:a14="http://schemas.microsoft.com/office/drawing/2010/main" val="0"/>
+              </a:ext>
+            </a:extLst>
+          </a:blip>
+          <a:stretch>
+            <a:fillRect/>
+          </a:stretch>
+        </p:blipFill>
+        <p:spPr>
+          <a:xfrm>
+            <a:off x="9956510" y="5310239"/>
+            <a:ext cx="2194690" cy="1547761"/>
+          </a:xfrm>
+          <a:prstGeom prst="rect">
+            <a:avLst/>
+          </a:prstGeom>
+        </p:spPr>
+      </p:pic>
+      <p:pic>
+        <p:nvPicPr>
+          <p:cNvPr id="8" name="Imagem 7">
+            <a:extLst>
+              <a:ext uri="{FF2B5EF4-FFF2-40B4-BE49-F238E27FC236}">
+                <a16:creationId xmlns:a16="http://schemas.microsoft.com/office/drawing/2014/main" id="{B917D3D6-A0D2-4F72-945D-364D9CD262FD}"/>
+              </a:ext>
+            </a:extLst>
+          </p:cNvPr>
+          <p:cNvPicPr>
+            <a:picLocks noChangeAspect="1"/>
+          </p:cNvPicPr>
+          <p:nvPr/>
+        </p:nvPicPr>
+        <p:blipFill>
+          <a:blip r:embed="rId5"/>
+          <a:stretch>
+            <a:fillRect/>
+          </a:stretch>
+        </p:blipFill>
+        <p:spPr>
+          <a:xfrm>
+            <a:off x="1299369" y="1498972"/>
+            <a:ext cx="5132455" cy="5084763"/>
+          </a:xfrm>
+          <a:prstGeom prst="rect">
+            <a:avLst/>
+          </a:prstGeom>
+        </p:spPr>
+      </p:pic>
+    </p:spTree>
+    <p:extLst>
+      <p:ext uri="{BB962C8B-B14F-4D97-AF65-F5344CB8AC3E}">
+        <p14:creationId xmlns:p14="http://schemas.microsoft.com/office/powerpoint/2010/main" val="558041672"/>
+      </p:ext>
+    </p:extLst>
+  </p:cSld>
+  <p:clrMapOvr>
+    <a:masterClrMapping/>
+  </p:clrMapOvr>
+  <mc:AlternateContent xmlns:mc="http://schemas.openxmlformats.org/markup-compatibility/2006" xmlns:p14="http://schemas.microsoft.com/office/powerpoint/2010/main">
+    <mc:Choice Requires="p14">
+      <p:transition spd="slow" p14:dur="1750">
+        <p14:vortex dir="r"/>
+      </p:transition>
+    </mc:Choice>
+    <mc:Fallback xmlns="">
+      <p:transition spd="slow">
+        <p:fade/>
+      </p:transition>
+    </mc:Fallback>
+  </mc:AlternateContent>
+</p:sld>
+</file>
+
+<file path=ppt/slides/slide21.xml><?xml version="1.0" encoding="utf-8"?>
+<p:sld xmlns:a="http://schemas.openxmlformats.org/drawingml/2006/main" xmlns:r="http://schemas.openxmlformats.org/officeDocument/2006/relationships" xmlns:p="http://schemas.openxmlformats.org/presentationml/2006/main">
+  <p:cSld>
+    <p:spTree>
+      <p:nvGrpSpPr>
+        <p:cNvPr id="1" name=""/>
+        <p:cNvGrpSpPr/>
+        <p:nvPr/>
+      </p:nvGrpSpPr>
+      <p:grpSpPr>
+        <a:xfrm>
+          <a:off x="0" y="0"/>
+          <a:ext cx="0" cy="0"/>
+          <a:chOff x="0" y="0"/>
+          <a:chExt cx="0" cy="0"/>
+        </a:xfrm>
+      </p:grpSpPr>
+      <p:sp>
+        <p:nvSpPr>
+          <p:cNvPr id="2" name="Título 1"/>
+          <p:cNvSpPr>
+            <a:spLocks noGrp="1"/>
+          </p:cNvSpPr>
+          <p:nvPr>
+            <p:ph type="title"/>
+          </p:nvPr>
+        </p:nvSpPr>
+        <p:spPr/>
+        <p:txBody>
+          <a:bodyPr rtlCol="0"/>
+          <a:lstStyle/>
+          <a:p>
+            <a:pPr rtl="0"/>
+            <a:r>
+              <a:rPr lang="pt-BR" dirty="0"/>
               <a:t>Processo de vendas</a:t>
             </a:r>
             <a:endParaRPr lang="pt-br" dirty="0"/>
@@ -11370,7 +11630,7 @@
 </p:sld>
 </file>
 
-<file path=ppt/slides/slide21.xml><?xml version="1.0" encoding="utf-8"?>
+<file path=ppt/slides/slide22.xml><?xml version="1.0" encoding="utf-8"?>
 <p:sld xmlns:a="http://schemas.openxmlformats.org/drawingml/2006/main" xmlns:r="http://schemas.openxmlformats.org/officeDocument/2006/relationships" xmlns:p="http://schemas.openxmlformats.org/presentationml/2006/main">
   <p:cSld>
     <p:spTree>
@@ -11556,7 +11816,7 @@
 </p:sld>
 </file>
 
-<file path=ppt/slides/slide22.xml><?xml version="1.0" encoding="utf-8"?>
+<file path=ppt/slides/slide23.xml><?xml version="1.0" encoding="utf-8"?>
 <p:sld xmlns:a="http://schemas.openxmlformats.org/drawingml/2006/main" xmlns:r="http://schemas.openxmlformats.org/officeDocument/2006/relationships" xmlns:p="http://schemas.openxmlformats.org/presentationml/2006/main">
   <p:cSld>
     <p:spTree>
@@ -11733,7 +11993,7 @@
 </p:sld>
 </file>
 
-<file path=ppt/slides/slide23.xml><?xml version="1.0" encoding="utf-8"?>
+<file path=ppt/slides/slide24.xml><?xml version="1.0" encoding="utf-8"?>
 <p:sld xmlns:a="http://schemas.openxmlformats.org/drawingml/2006/main" xmlns:r="http://schemas.openxmlformats.org/officeDocument/2006/relationships" xmlns:p="http://schemas.openxmlformats.org/presentationml/2006/main">
   <p:cSld>
     <p:spTree>
@@ -11910,7 +12170,7 @@
 </p:sld>
 </file>
 
-<file path=ppt/slides/slide24.xml><?xml version="1.0" encoding="utf-8"?>
+<file path=ppt/slides/slide25.xml><?xml version="1.0" encoding="utf-8"?>
 <p:sld xmlns:a="http://schemas.openxmlformats.org/drawingml/2006/main" xmlns:r="http://schemas.openxmlformats.org/officeDocument/2006/relationships" xmlns:p="http://schemas.openxmlformats.org/presentationml/2006/main">
   <p:cSld>
     <p:spTree>
@@ -12087,7 +12347,7 @@
 </p:sld>
 </file>
 
-<file path=ppt/slides/slide25.xml><?xml version="1.0" encoding="utf-8"?>
+<file path=ppt/slides/slide26.xml><?xml version="1.0" encoding="utf-8"?>
 <p:sld xmlns:a="http://schemas.openxmlformats.org/drawingml/2006/main" xmlns:r="http://schemas.openxmlformats.org/officeDocument/2006/relationships" xmlns:p="http://schemas.openxmlformats.org/presentationml/2006/main">
   <p:cSld>
     <p:spTree>
@@ -12264,7 +12524,7 @@
 </p:sld>
 </file>
 
-<file path=ppt/slides/slide26.xml><?xml version="1.0" encoding="utf-8"?>
+<file path=ppt/slides/slide27.xml><?xml version="1.0" encoding="utf-8"?>
 <p:sld xmlns:a="http://schemas.openxmlformats.org/drawingml/2006/main" xmlns:r="http://schemas.openxmlformats.org/officeDocument/2006/relationships" xmlns:p="http://schemas.openxmlformats.org/presentationml/2006/main">
   <p:cSld>
     <p:spTree>
@@ -13669,7 +13929,13 @@
       </p:grpSpPr>
       <p:sp>
         <p:nvSpPr>
-          <p:cNvPr id="7" name="Título 6"/>
+          <p:cNvPr id="2" name="Título 1">
+            <a:extLst>
+              <a:ext uri="{FF2B5EF4-FFF2-40B4-BE49-F238E27FC236}">
+                <a16:creationId xmlns:a16="http://schemas.microsoft.com/office/drawing/2014/main" id="{F4B93686-CF3B-344B-A006-D4D00102A567}"/>
+              </a:ext>
+            </a:extLst>
+          </p:cNvPr>
           <p:cNvSpPr>
             <a:spLocks noGrp="1"/>
           </p:cNvSpPr>
@@ -13679,70 +13945,22 @@
         </p:nvSpPr>
         <p:spPr/>
         <p:txBody>
-          <a:bodyPr rtlCol="0"/>
+          <a:bodyPr/>
           <a:lstStyle/>
           <a:p>
-            <a:pPr rtl="0"/>
             <a:r>
               <a:rPr lang="pt-BR" dirty="0"/>
-              <a:t>Equipamentos de logísticas utilizados</a:t>
-            </a:r>
-            <a:endParaRPr lang="pt-br" dirty="0"/>
-          </a:p>
-        </p:txBody>
-      </p:sp>
-      <p:sp>
-        <p:nvSpPr>
-          <p:cNvPr id="8" name="Espaço Reservado para Texto 7"/>
-          <p:cNvSpPr>
-            <a:spLocks noGrp="1"/>
-          </p:cNvSpPr>
-          <p:nvPr>
-            <p:ph type="body" idx="1"/>
-          </p:nvPr>
-        </p:nvSpPr>
-        <p:spPr/>
-        <p:txBody>
-          <a:bodyPr rtlCol="0"/>
-          <a:lstStyle/>
-          <a:p>
-            <a:r>
-              <a:rPr lang="pt-BR" b="1" dirty="0"/>
-              <a:t>Rebocador Industrial</a:t>
-            </a:r>
-            <a:endParaRPr lang="en-US" dirty="0"/>
-          </a:p>
-        </p:txBody>
-      </p:sp>
-      <p:sp>
-        <p:nvSpPr>
-          <p:cNvPr id="9" name="Espaço Reservado para Texto 8"/>
-          <p:cNvSpPr>
-            <a:spLocks noGrp="1"/>
-          </p:cNvSpPr>
-          <p:nvPr>
-            <p:ph type="body" sz="quarter" idx="3"/>
-          </p:nvPr>
-        </p:nvSpPr>
-        <p:spPr/>
-        <p:txBody>
-          <a:bodyPr rtlCol="0"/>
-          <a:lstStyle/>
-          <a:p>
-            <a:r>
-              <a:rPr lang="pt-BR" b="1" dirty="0"/>
-              <a:t>Auto carrinhos (AGV)</a:t>
-            </a:r>
-            <a:endParaRPr lang="en-US" dirty="0"/>
+              <a:t>Produto Acabado</a:t>
+            </a:r>
           </a:p>
         </p:txBody>
       </p:sp>
       <p:pic>
         <p:nvPicPr>
-          <p:cNvPr id="12" name="Imagem 11">
+          <p:cNvPr id="5" name="Imagem 4">
             <a:extLst>
               <a:ext uri="{FF2B5EF4-FFF2-40B4-BE49-F238E27FC236}">
-                <a16:creationId xmlns:a16="http://schemas.microsoft.com/office/drawing/2014/main" id="{32A7B858-85B0-4210-B6AB-C62A87223B83}"/>
+                <a16:creationId xmlns:a16="http://schemas.microsoft.com/office/drawing/2014/main" id="{9BC6E867-13D3-8D45-A680-3FDED81A382B}"/>
               </a:ext>
             </a:extLst>
           </p:cNvPr>
@@ -13775,85 +13993,10 @@
       </p:pic>
       <p:pic>
         <p:nvPicPr>
-          <p:cNvPr id="14" name="Espaço Reservado para Conteúdo 13" descr="https://lh4.googleusercontent.com/RQqUy0wNtwBGtO5M-VHjNNJy9CT7fTB-yxDb4VFPgiO17vuS1Jiel-sOTj4Wk3yu37kaA6RChBVEwK6la8xXsFug8jK4wBpTYoFJrtjF-DOJ8BetraJnYQi_Vh8bHT8wwp7beUJk">
+          <p:cNvPr id="6" name="Imagem 5">
             <a:extLst>
               <a:ext uri="{FF2B5EF4-FFF2-40B4-BE49-F238E27FC236}">
-                <a16:creationId xmlns:a16="http://schemas.microsoft.com/office/drawing/2014/main" id="{710DAC58-A9E1-41CF-A437-91D80F3EBFE5}"/>
-              </a:ext>
-            </a:extLst>
-          </p:cNvPr>
-          <p:cNvPicPr>
-            <a:picLocks noGrp="1"/>
-          </p:cNvPicPr>
-          <p:nvPr>
-            <p:ph sz="half" idx="2"/>
-          </p:nvPr>
-        </p:nvPicPr>
-        <p:blipFill>
-          <a:blip r:embed="rId3" cstate="print">
-            <a:extLst>
-              <a:ext uri="{28A0092B-C50C-407E-A947-70E740481C1C}">
-                <a14:useLocalDpi xmlns:a14="http://schemas.microsoft.com/office/drawing/2010/main" val="0"/>
-              </a:ext>
-            </a:extLst>
-          </a:blip>
-          <a:srcRect/>
-          <a:stretch>
-            <a:fillRect/>
-          </a:stretch>
-        </p:blipFill>
-        <p:spPr bwMode="auto">
-          <a:xfrm>
-            <a:off x="1935959" y="3119337"/>
-            <a:ext cx="3312368" cy="2244928"/>
-          </a:xfrm>
-          <a:prstGeom prst="rect">
-            <a:avLst/>
-          </a:prstGeom>
-          <a:noFill/>
-          <a:ln>
-            <a:noFill/>
-          </a:ln>
-        </p:spPr>
-      </p:pic>
-      <p:pic>
-        <p:nvPicPr>
-          <p:cNvPr id="15" name="Espaço Reservado para Conteúdo 14">
-            <a:extLst>
-              <a:ext uri="{FF2B5EF4-FFF2-40B4-BE49-F238E27FC236}">
-                <a16:creationId xmlns:a16="http://schemas.microsoft.com/office/drawing/2014/main" id="{7CC674F0-96C7-439E-9954-0E2AEFD4FA43}"/>
-              </a:ext>
-            </a:extLst>
-          </p:cNvPr>
-          <p:cNvPicPr>
-            <a:picLocks noGrp="1"/>
-          </p:cNvPicPr>
-          <p:nvPr>
-            <p:ph sz="quarter" idx="4"/>
-          </p:nvPr>
-        </p:nvPicPr>
-        <p:blipFill>
-          <a:blip r:embed="rId4"/>
-          <a:stretch>
-            <a:fillRect/>
-          </a:stretch>
-        </p:blipFill>
-        <p:spPr>
-          <a:xfrm>
-            <a:off x="6940498" y="3041162"/>
-            <a:ext cx="3583943" cy="2269077"/>
-          </a:xfrm>
-          <a:prstGeom prst="rect">
-            <a:avLst/>
-          </a:prstGeom>
-        </p:spPr>
-      </p:pic>
-      <p:pic>
-        <p:nvPicPr>
-          <p:cNvPr id="13" name="Imagem 12">
-            <a:extLst>
-              <a:ext uri="{FF2B5EF4-FFF2-40B4-BE49-F238E27FC236}">
-                <a16:creationId xmlns:a16="http://schemas.microsoft.com/office/drawing/2014/main" id="{00CDD5C5-0AF8-4D5C-B139-1859F324F1E2}"/>
+                <a16:creationId xmlns:a16="http://schemas.microsoft.com/office/drawing/2014/main" id="{03E2D6D9-9F31-0B4E-8C65-FF40D65AC148}"/>
               </a:ext>
             </a:extLst>
           </p:cNvPr>
@@ -13863,7 +14006,7 @@
           <p:nvPr/>
         </p:nvPicPr>
         <p:blipFill>
-          <a:blip r:embed="rId5" cstate="print">
+          <a:blip r:embed="rId3" cstate="print">
             <a:extLst>
               <a:ext uri="{28A0092B-C50C-407E-A947-70E740481C1C}">
                 <a14:useLocalDpi xmlns:a14="http://schemas.microsoft.com/office/drawing/2010/main" val="0"/>
@@ -13884,10 +14027,46 @@
           </a:prstGeom>
         </p:spPr>
       </p:pic>
+      <p:pic>
+        <p:nvPicPr>
+          <p:cNvPr id="8" name="Imagem 7">
+            <a:extLst>
+              <a:ext uri="{FF2B5EF4-FFF2-40B4-BE49-F238E27FC236}">
+                <a16:creationId xmlns:a16="http://schemas.microsoft.com/office/drawing/2014/main" id="{D5D313B2-FA43-654E-8270-814F2ABE14AD}"/>
+              </a:ext>
+            </a:extLst>
+          </p:cNvPr>
+          <p:cNvPicPr>
+            <a:picLocks noChangeAspect="1"/>
+          </p:cNvPicPr>
+          <p:nvPr/>
+        </p:nvPicPr>
+        <p:blipFill>
+          <a:blip r:embed="rId4">
+            <a:extLst>
+              <a:ext uri="{28A0092B-C50C-407E-A947-70E740481C1C}">
+                <a14:useLocalDpi xmlns:a14="http://schemas.microsoft.com/office/drawing/2010/main" val="0"/>
+              </a:ext>
+            </a:extLst>
+          </a:blip>
+          <a:stretch>
+            <a:fillRect/>
+          </a:stretch>
+        </p:blipFill>
+        <p:spPr>
+          <a:xfrm>
+            <a:off x="5230316" y="1988840"/>
+            <a:ext cx="2472629" cy="4223632"/>
+          </a:xfrm>
+          <a:prstGeom prst="rect">
+            <a:avLst/>
+          </a:prstGeom>
+        </p:spPr>
+      </p:pic>
     </p:spTree>
     <p:extLst>
       <p:ext uri="{BB962C8B-B14F-4D97-AF65-F5344CB8AC3E}">
-        <p14:creationId xmlns:p14="http://schemas.microsoft.com/office/powerpoint/2010/main" val="2672039197"/>
+        <p14:creationId xmlns:p14="http://schemas.microsoft.com/office/powerpoint/2010/main" val="2803982096"/>
       </p:ext>
     </p:extLst>
   </p:cSld>
@@ -13896,7 +14075,7 @@
   </p:clrMapOvr>
   <mc:AlternateContent xmlns:mc="http://schemas.openxmlformats.org/markup-compatibility/2006" xmlns:p14="http://schemas.microsoft.com/office/powerpoint/2010/main">
     <mc:Choice Requires="p14">
-      <p:transition spd="slow" p14:dur="1750">
+      <p:transition spd="slow" p14:dur="2250">
         <p14:vortex dir="r"/>
       </p:transition>
     </mc:Choice>
@@ -14860,15 +15039,6 @@
 </file>
 
 <file path=customXml/item1.xml><?xml version="1.0" encoding="utf-8"?>
-<?mso-contentType ?>
-<FormTemplates xmlns="http://schemas.microsoft.com/sharepoint/v3/contenttype/forms">
-  <Display>DocumentLibraryForm</Display>
-  <Edit>AssetEditForm</Edit>
-  <New>DocumentLibraryForm</New>
-</FormTemplates>
-</file>
-
-<file path=customXml/item2.xml><?xml version="1.0" encoding="utf-8"?>
 <p:properties xmlns:p="http://schemas.microsoft.com/office/2006/metadata/properties" xmlns:xsi="http://www.w3.org/2001/XMLSchema-instance" xmlns:pc="http://schemas.microsoft.com/office/infopath/2007/PartnerControls">
   <documentManagement>
     <LocPublishedLinkedAssetsLookup xmlns="4873beb7-5857-4685-be1f-d57550cc96cc" xsi:nil="true"/>
@@ -15002,6 +15172,15 @@
     <LocMarketGroupTiers2 xmlns="4873beb7-5857-4685-be1f-d57550cc96cc" xsi:nil="true"/>
   </documentManagement>
 </p:properties>
+</file>
+
+<file path=customXml/item2.xml><?xml version="1.0" encoding="utf-8"?>
+<?mso-contentType ?>
+<FormTemplates xmlns="http://schemas.microsoft.com/sharepoint/v3/contenttype/forms">
+  <Display>DocumentLibraryForm</Display>
+  <Edit>AssetEditForm</Edit>
+  <New>DocumentLibraryForm</New>
+</FormTemplates>
 </file>
 
 <file path=customXml/item3.xml><?xml version="1.0" encoding="utf-8"?>
@@ -16045,14 +16224,6 @@
 </file>
 
 <file path=customXml/itemProps1.xml><?xml version="1.0" encoding="utf-8"?>
-<ds:datastoreItem xmlns:ds="http://schemas.openxmlformats.org/officeDocument/2006/customXml" ds:itemID="{3836F65B-1B07-41EE-A0E8-BC6EF3855225}">
-  <ds:schemaRefs>
-    <ds:schemaRef ds:uri="http://schemas.microsoft.com/sharepoint/v3/contenttype/forms"/>
-  </ds:schemaRefs>
-</ds:datastoreItem>
-</file>
-
-<file path=customXml/itemProps2.xml><?xml version="1.0" encoding="utf-8"?>
 <ds:datastoreItem xmlns:ds="http://schemas.openxmlformats.org/officeDocument/2006/customXml" ds:itemID="{60C67BEE-D13F-4BD2-98A5-34D8A0977F68}">
   <ds:schemaRefs>
     <ds:schemaRef ds:uri="http://schemas.microsoft.com/office/2006/documentManagement/types"/>
@@ -16064,6 +16235,14 @@
     <ds:schemaRef ds:uri="4873beb7-5857-4685-be1f-d57550cc96cc"/>
     <ds:schemaRef ds:uri="http://www.w3.org/XML/1998/namespace"/>
     <ds:schemaRef ds:uri="http://purl.org/dc/dcmitype/"/>
+  </ds:schemaRefs>
+</ds:datastoreItem>
+</file>
+
+<file path=customXml/itemProps2.xml><?xml version="1.0" encoding="utf-8"?>
+<ds:datastoreItem xmlns:ds="http://schemas.openxmlformats.org/officeDocument/2006/customXml" ds:itemID="{3836F65B-1B07-41EE-A0E8-BC6EF3855225}">
+  <ds:schemaRefs>
+    <ds:schemaRef ds:uri="http://schemas.microsoft.com/sharepoint/v3/contenttype/forms"/>
   </ds:schemaRefs>
 </ds:datastoreItem>
 </file>
